--- a/NEW_DBMS교안/19. 고급 SQL 작성하기_뷰.pptx
+++ b/NEW_DBMS교안/19. 고급 SQL 작성하기_뷰.pptx
@@ -218,7 +218,7 @@
           <a:p>
             <a:fld id="{E150CED1-0BD3-437E-982C-E8005E10CB37}" type="datetimeFigureOut">
               <a:rPr lang="ko-KR" altLang="en-US" smtClean="0"/>
-              <a:t>2021-03-31</a:t>
+              <a:t>2021-04-08</a:t>
             </a:fld>
             <a:endParaRPr lang="ko-KR" altLang="en-US"/>
           </a:p>
@@ -2967,7 +2967,21 @@
             </a:pPr>
             <a:r>
               <a:rPr lang="en-US" altLang="ko-KR" dirty="0"/>
-              <a:t>SUBQUERY;</a:t>
+              <a:t>SUBQUERY</a:t>
+            </a:r>
+            <a:r>
+              <a:rPr lang="en-US" altLang="ko-KR" dirty="0" smtClean="0"/>
+              <a:t>;  </a:t>
+            </a:r>
+            <a:r>
+              <a:rPr lang="en-US" altLang="ko-KR" dirty="0" smtClean="0">
+                <a:sym typeface="Wingdings" panose="05000000000000000000" pitchFamily="2" charset="2"/>
+              </a:rPr>
+              <a:t></a:t>
+            </a:r>
+            <a:r>
+              <a:rPr lang="en-US" altLang="ko-KR" dirty="0" smtClean="0"/>
+              <a:t>	(SELECT EMP_NO, NAME FROM EMPLOYEES;)</a:t>
             </a:r>
             <a:endParaRPr lang="ko-KR" altLang="en-US" dirty="0"/>
           </a:p>
@@ -5967,6 +5981,44 @@
               <a:t>.</a:t>
             </a:r>
             <a:endParaRPr lang="ko-KR" altLang="en-US" b="0" dirty="0"/>
+          </a:p>
+        </p:txBody>
+      </p:sp>
+      <p:sp>
+        <p:nvSpPr>
+          <p:cNvPr id="2" name="TextBox 1"/>
+          <p:cNvSpPr txBox="1"/>
+          <p:nvPr/>
+        </p:nvSpPr>
+        <p:spPr>
+          <a:xfrm>
+            <a:off x="4871037" y="201976"/>
+            <a:ext cx="4104456" cy="646331"/>
+          </a:xfrm>
+          <a:prstGeom prst="rect">
+            <a:avLst/>
+          </a:prstGeom>
+          <a:noFill/>
+        </p:spPr>
+        <p:txBody>
+          <a:bodyPr wrap="square" rtlCol="0">
+            <a:spAutoFit/>
+          </a:bodyPr>
+          <a:lstStyle/>
+          <a:p>
+            <a:r>
+              <a:rPr lang="en-US" altLang="ko-KR" dirty="0" smtClean="0"/>
+              <a:t>CREATE VIEW </a:t>
+            </a:r>
+            <a:r>
+              <a:rPr lang="en-US" altLang="ko-KR" dirty="0" err="1" smtClean="0"/>
+              <a:t>nn</a:t>
+            </a:r>
+            <a:r>
+              <a:rPr lang="en-US" altLang="ko-KR" dirty="0" smtClean="0"/>
+              <a:t> AS SELECT *FROM EMPLOYEE WHERE POSITION=“”;</a:t>
+            </a:r>
+            <a:endParaRPr lang="ko-KR" altLang="en-US" dirty="0"/>
           </a:p>
         </p:txBody>
       </p:sp>
